--- a/Dreamforce2015-ConsoleAPIs.pptx
+++ b/Dreamforce2015-ConsoleAPIs.pptx
@@ -5,7 +5,7 @@
     <p:sldMasterId id="2147483660" r:id="rId1"/>
   </p:sldMasterIdLst>
   <p:notesMasterIdLst>
-    <p:notesMasterId r:id="rId41"/>
+    <p:notesMasterId r:id="rId39"/>
   </p:notesMasterIdLst>
   <p:sldIdLst>
     <p:sldId id="304" r:id="rId2"/>
@@ -39,14 +39,12 @@
     <p:sldId id="282" r:id="rId30"/>
     <p:sldId id="290" r:id="rId31"/>
     <p:sldId id="285" r:id="rId32"/>
-    <p:sldId id="297" r:id="rId33"/>
-    <p:sldId id="305" r:id="rId34"/>
+    <p:sldId id="288" r:id="rId33"/>
+    <p:sldId id="287" r:id="rId34"/>
     <p:sldId id="306" r:id="rId35"/>
-    <p:sldId id="288" r:id="rId36"/>
-    <p:sldId id="287" r:id="rId37"/>
-    <p:sldId id="291" r:id="rId38"/>
-    <p:sldId id="292" r:id="rId39"/>
-    <p:sldId id="293" r:id="rId40"/>
+    <p:sldId id="291" r:id="rId36"/>
+    <p:sldId id="292" r:id="rId37"/>
+    <p:sldId id="293" r:id="rId38"/>
   </p:sldIdLst>
   <p:sldSz cx="9144000" cy="5143500" type="screen16x9"/>
   <p:notesSz cx="6858000" cy="9144000"/>
@@ -246,7 +244,7 @@
           <a:p>
             <a:fld id="{B3972D7E-27EB-674F-BBC7-A46AE6A36F3E}" type="datetimeFigureOut">
               <a:rPr lang="en-US" smtClean="0"/>
-              <a:t>9/9/15</a:t>
+              <a:t>9/14/15</a:t>
             </a:fld>
             <a:endParaRPr lang="en-US"/>
           </a:p>
@@ -699,7 +697,7 @@
           <a:p>
             <a:fld id="{4454E570-F470-4E44-9394-F74038A0C625}" type="slidenum">
               <a:rPr lang="en-US" smtClean="0"/>
-              <a:t>36</a:t>
+              <a:t>33</a:t>
             </a:fld>
             <a:endParaRPr lang="en-US"/>
           </a:p>
@@ -38426,7 +38424,7 @@
           <a:p>
             <a:fld id="{4EA30846-43A9-6940-B25C-7F5EBA707510}" type="datetimeFigureOut">
               <a:rPr lang="en-US" smtClean="0"/>
-              <a:t>9/9/15</a:t>
+              <a:t>9/14/15</a:t>
             </a:fld>
             <a:endParaRPr lang="en-US"/>
           </a:p>
@@ -41846,8 +41844,12 @@
           </a:p>
           <a:p>
             <a:r>
+              <a:rPr lang="en-US" dirty="0" err="1"/>
+              <a:t>k</a:t>
+            </a:r>
+            <a:r>
               <a:rPr lang="en-US" dirty="0" err="1" smtClean="0"/>
-              <a:t>Kevin.glinski@inin.com</a:t>
+              <a:t>evin.glinski@inin.com</a:t>
             </a:r>
             <a:r>
               <a:rPr lang="en-US" dirty="0" smtClean="0"/>
@@ -42423,11 +42425,7 @@
           <a:p>
             <a:r>
               <a:rPr lang="en-US" dirty="0" smtClean="0"/>
-              <a:t>Screen </a:t>
-            </a:r>
-            <a:r>
-              <a:rPr lang="en-US" dirty="0" smtClean="0"/>
-              <a:t>Pop</a:t>
+              <a:t>Screen Pop</a:t>
             </a:r>
             <a:endParaRPr lang="en-US" dirty="0"/>
           </a:p>
@@ -45233,8 +45231,20 @@
             <a:pPr lvl="1"/>
             <a:r>
               <a:rPr lang="en-US" dirty="0"/>
-              <a:t>Provide context to individual interactions to help someone reviewing the case go get a sense of what has already happened</a:t>
+              <a:t>Provide context to individual interactions to help someone reviewing the case go get a sense of what has already </a:t>
             </a:r>
+            <a:r>
+              <a:rPr lang="en-US" dirty="0" smtClean="0"/>
+              <a:t>happened</a:t>
+            </a:r>
+          </a:p>
+          <a:p>
+            <a:pPr lvl="1"/>
+            <a:r>
+              <a:rPr lang="en-US" dirty="0" smtClean="0"/>
+              <a:t>APIs are available to automatically create Interaction Logs based on CTI events</a:t>
+            </a:r>
+            <a:endParaRPr lang="en-US" dirty="0"/>
           </a:p>
           <a:p>
             <a:pPr lvl="1"/>
@@ -45401,6 +45411,37 @@
                                   </p:childTnLst>
                                 </p:cTn>
                               </p:par>
+                              <p:par>
+                                <p:cTn id="15" presetID="1" presetClass="entr" presetSubtype="0" fill="hold" grpId="0" nodeType="withEffect">
+                                  <p:stCondLst>
+                                    <p:cond delay="0"/>
+                                  </p:stCondLst>
+                                  <p:childTnLst>
+                                    <p:set>
+                                      <p:cBhvr>
+                                        <p:cTn id="16" dur="1" fill="hold">
+                                          <p:stCondLst>
+                                            <p:cond delay="0"/>
+                                          </p:stCondLst>
+                                        </p:cTn>
+                                        <p:tgtEl>
+                                          <p:spTgt spid="3">
+                                            <p:txEl>
+                                              <p:pRg st="3" end="3"/>
+                                            </p:txEl>
+                                          </p:spTgt>
+                                        </p:tgtEl>
+                                        <p:attrNameLst>
+                                          <p:attrName>style.visibility</p:attrName>
+                                        </p:attrNameLst>
+                                      </p:cBhvr>
+                                      <p:to>
+                                        <p:strVal val="visible"/>
+                                      </p:to>
+                                    </p:set>
+                                  </p:childTnLst>
+                                </p:cTn>
+                              </p:par>
                             </p:childTnLst>
                           </p:cTn>
                         </p:par>
@@ -45470,14 +45511,14 @@
             <a:pPr marL="342900" indent="-342900"/>
             <a:r>
               <a:rPr lang="en-US" dirty="0" smtClean="0"/>
-              <a:t>Keep agents focused on the task at hand</a:t>
+              <a:t>Present agents with the information they need to do their job</a:t>
             </a:r>
           </a:p>
           <a:p>
             <a:pPr marL="342900" indent="-342900"/>
             <a:r>
               <a:rPr lang="en-US" dirty="0" smtClean="0"/>
-              <a:t>Present them all the information they need to do their job</a:t>
+              <a:t>Automate repetitive tasks</a:t>
             </a:r>
           </a:p>
           <a:p>
@@ -45486,6 +45527,16 @@
               <a:rPr lang="en-US" dirty="0" smtClean="0"/>
               <a:t>Prevent them from switching applications</a:t>
             </a:r>
+          </a:p>
+          <a:p>
+            <a:pPr marL="342900" indent="-342900"/>
+            <a:r>
+              <a:rPr lang="en-US" dirty="0"/>
+              <a:t>Clicks == Time</a:t>
+            </a:r>
+          </a:p>
+          <a:p>
+            <a:pPr marL="574675" lvl="1" indent="-342900"/>
             <a:endParaRPr lang="en-US" dirty="0"/>
           </a:p>
         </p:txBody>
@@ -45507,11 +45558,7 @@
           <a:p>
             <a:r>
               <a:rPr lang="en-US" dirty="0" smtClean="0"/>
-              <a:t>How to </a:t>
-            </a:r>
-            <a:r>
-              <a:rPr lang="en-US" dirty="0" smtClean="0"/>
-              <a:t>Decrease Time</a:t>
+              <a:t>How to Decrease Time</a:t>
             </a:r>
             <a:endParaRPr lang="en-US" dirty="0"/>
           </a:p>
@@ -45694,6 +45741,55 @@
                       </p:childTnLst>
                     </p:cTn>
                   </p:par>
+                  <p:par>
+                    <p:cTn id="15" fill="hold">
+                      <p:stCondLst>
+                        <p:cond delay="indefinite"/>
+                      </p:stCondLst>
+                      <p:childTnLst>
+                        <p:par>
+                          <p:cTn id="16" fill="hold">
+                            <p:stCondLst>
+                              <p:cond delay="0"/>
+                            </p:stCondLst>
+                            <p:childTnLst>
+                              <p:par>
+                                <p:cTn id="17" presetID="1" presetClass="entr" presetSubtype="0" fill="hold" grpId="0" nodeType="clickEffect">
+                                  <p:stCondLst>
+                                    <p:cond delay="0"/>
+                                  </p:stCondLst>
+                                  <p:childTnLst>
+                                    <p:set>
+                                      <p:cBhvr>
+                                        <p:cTn id="18" dur="1" fill="hold">
+                                          <p:stCondLst>
+                                            <p:cond delay="0"/>
+                                          </p:stCondLst>
+                                        </p:cTn>
+                                        <p:tgtEl>
+                                          <p:spTgt spid="5">
+                                            <p:txEl>
+                                              <p:pRg st="3" end="3"/>
+                                            </p:txEl>
+                                          </p:spTgt>
+                                        </p:tgtEl>
+                                        <p:attrNameLst>
+                                          <p:attrName>style.visibility</p:attrName>
+                                        </p:attrNameLst>
+                                      </p:cBhvr>
+                                      <p:to>
+                                        <p:strVal val="visible"/>
+                                      </p:to>
+                                    </p:set>
+                                  </p:childTnLst>
+                                </p:cTn>
+                              </p:par>
+                            </p:childTnLst>
+                          </p:cTn>
+                        </p:par>
+                      </p:childTnLst>
+                    </p:cTn>
+                  </p:par>
                 </p:childTnLst>
               </p:cTn>
               <p:prevCondLst>
@@ -45894,30 +45990,6 @@
           </a:p>
         </p:txBody>
       </p:sp>
-      <p:pic>
-        <p:nvPicPr>
-          <p:cNvPr id="4" name="Picture 3"/>
-          <p:cNvPicPr>
-            <a:picLocks noChangeAspect="1"/>
-          </p:cNvPicPr>
-          <p:nvPr/>
-        </p:nvPicPr>
-        <p:blipFill>
-          <a:blip r:embed="rId2"/>
-          <a:stretch>
-            <a:fillRect/>
-          </a:stretch>
-        </p:blipFill>
-        <p:spPr>
-          <a:xfrm>
-            <a:off x="2499360" y="2447442"/>
-            <a:ext cx="3836670" cy="1706728"/>
-          </a:xfrm>
-          <a:prstGeom prst="rect">
-            <a:avLst/>
-          </a:prstGeom>
-        </p:spPr>
-      </p:pic>
     </p:spTree>
     <p:extLst>
       <p:ext uri="{BB962C8B-B14F-4D97-AF65-F5344CB8AC3E}">
@@ -45965,7 +46037,7 @@
       </p:grpSpPr>
       <p:pic>
         <p:nvPicPr>
-          <p:cNvPr id="3" name="Picture 2"/>
+          <p:cNvPr id="2" name="Picture 1"/>
           <p:cNvPicPr>
             <a:picLocks noChangeAspect="1"/>
           </p:cNvPicPr>
@@ -45979,8 +46051,8 @@
         </p:blipFill>
         <p:spPr>
           <a:xfrm>
-            <a:off x="153789" y="782320"/>
-            <a:ext cx="8884920" cy="1463040"/>
+            <a:off x="375952" y="1727200"/>
+            <a:ext cx="6421088" cy="1137368"/>
           </a:xfrm>
           <a:prstGeom prst="rect">
             <a:avLst/>
@@ -45990,7 +46062,7 @@
     </p:spTree>
     <p:extLst>
       <p:ext uri="{BB962C8B-B14F-4D97-AF65-F5344CB8AC3E}">
-        <p14:creationId xmlns:p14="http://schemas.microsoft.com/office/powerpoint/2010/main" val="1304811783"/>
+        <p14:creationId xmlns:p14="http://schemas.microsoft.com/office/powerpoint/2010/main" val="1768692028"/>
       </p:ext>
     </p:extLst>
   </p:cSld>
@@ -46034,31 +46106,7 @@
       </p:grpSpPr>
       <p:pic>
         <p:nvPicPr>
-          <p:cNvPr id="3" name="Picture 2"/>
-          <p:cNvPicPr>
-            <a:picLocks noChangeAspect="1"/>
-          </p:cNvPicPr>
-          <p:nvPr/>
-        </p:nvPicPr>
-        <p:blipFill>
-          <a:blip r:embed="rId2"/>
-          <a:stretch>
-            <a:fillRect/>
-          </a:stretch>
-        </p:blipFill>
-        <p:spPr>
-          <a:xfrm>
-            <a:off x="153789" y="782320"/>
-            <a:ext cx="8884920" cy="1463040"/>
-          </a:xfrm>
-          <a:prstGeom prst="rect">
-            <a:avLst/>
-          </a:prstGeom>
-        </p:spPr>
-      </p:pic>
-      <p:pic>
-        <p:nvPicPr>
-          <p:cNvPr id="4" name="Picture 3"/>
+          <p:cNvPr id="2" name="Picture 1"/>
           <p:cNvPicPr>
             <a:picLocks noChangeAspect="1"/>
           </p:cNvPicPr>
@@ -46072,8 +46120,8 @@
         </p:blipFill>
         <p:spPr>
           <a:xfrm>
-            <a:off x="3049850" y="2501240"/>
-            <a:ext cx="3697659" cy="1688489"/>
+            <a:off x="0" y="1994297"/>
+            <a:ext cx="9144000" cy="1154906"/>
           </a:xfrm>
           <a:prstGeom prst="rect">
             <a:avLst/>
@@ -46083,7 +46131,7 @@
     </p:spTree>
     <p:extLst>
       <p:ext uri="{BB962C8B-B14F-4D97-AF65-F5344CB8AC3E}">
-        <p14:creationId xmlns:p14="http://schemas.microsoft.com/office/powerpoint/2010/main" val="1594881629"/>
+        <p14:creationId xmlns:p14="http://schemas.microsoft.com/office/powerpoint/2010/main" val="3998155393"/>
       </p:ext>
     </p:extLst>
   </p:cSld>
@@ -46268,144 +46316,6 @@
 </file>
 
 <file path=ppt/slides/slide35.xml><?xml version="1.0" encoding="utf-8"?>
-<p:sld xmlns:a="http://schemas.openxmlformats.org/drawingml/2006/main" xmlns:r="http://schemas.openxmlformats.org/officeDocument/2006/relationships" xmlns:p="http://schemas.openxmlformats.org/presentationml/2006/main" showMasterSp="0">
-  <p:cSld>
-    <p:bg>
-      <p:bgPr>
-        <a:solidFill>
-          <a:srgbClr val="000000"/>
-        </a:solidFill>
-        <a:effectLst/>
-      </p:bgPr>
-    </p:bg>
-    <p:spTree>
-      <p:nvGrpSpPr>
-        <p:cNvPr id="1" name=""/>
-        <p:cNvGrpSpPr/>
-        <p:nvPr/>
-      </p:nvGrpSpPr>
-      <p:grpSpPr>
-        <a:xfrm>
-          <a:off x="0" y="0"/>
-          <a:ext cx="0" cy="0"/>
-          <a:chOff x="0" y="0"/>
-          <a:chExt cx="0" cy="0"/>
-        </a:xfrm>
-      </p:grpSpPr>
-      <p:pic>
-        <p:nvPicPr>
-          <p:cNvPr id="2" name="Picture 1"/>
-          <p:cNvPicPr>
-            <a:picLocks noChangeAspect="1"/>
-          </p:cNvPicPr>
-          <p:nvPr/>
-        </p:nvPicPr>
-        <p:blipFill>
-          <a:blip r:embed="rId2"/>
-          <a:stretch>
-            <a:fillRect/>
-          </a:stretch>
-        </p:blipFill>
-        <p:spPr>
-          <a:xfrm>
-            <a:off x="365792" y="1727200"/>
-            <a:ext cx="8030258" cy="1422400"/>
-          </a:xfrm>
-          <a:prstGeom prst="rect">
-            <a:avLst/>
-          </a:prstGeom>
-        </p:spPr>
-      </p:pic>
-    </p:spTree>
-    <p:extLst>
-      <p:ext uri="{BB962C8B-B14F-4D97-AF65-F5344CB8AC3E}">
-        <p14:creationId xmlns:p14="http://schemas.microsoft.com/office/powerpoint/2010/main" val="1768692028"/>
-      </p:ext>
-    </p:extLst>
-  </p:cSld>
-  <p:clrMapOvr>
-    <a:masterClrMapping/>
-  </p:clrMapOvr>
-  <p:timing>
-    <p:tnLst>
-      <p:par>
-        <p:cTn id="1" dur="indefinite" restart="never" nodeType="tmRoot"/>
-      </p:par>
-    </p:tnLst>
-  </p:timing>
-</p:sld>
-</file>
-
-<file path=ppt/slides/slide36.xml><?xml version="1.0" encoding="utf-8"?>
-<p:sld xmlns:a="http://schemas.openxmlformats.org/drawingml/2006/main" xmlns:r="http://schemas.openxmlformats.org/officeDocument/2006/relationships" xmlns:p="http://schemas.openxmlformats.org/presentationml/2006/main" showMasterSp="0">
-  <p:cSld>
-    <p:bg>
-      <p:bgPr>
-        <a:solidFill>
-          <a:srgbClr val="000000"/>
-        </a:solidFill>
-        <a:effectLst/>
-      </p:bgPr>
-    </p:bg>
-    <p:spTree>
-      <p:nvGrpSpPr>
-        <p:cNvPr id="1" name=""/>
-        <p:cNvGrpSpPr/>
-        <p:nvPr/>
-      </p:nvGrpSpPr>
-      <p:grpSpPr>
-        <a:xfrm>
-          <a:off x="0" y="0"/>
-          <a:ext cx="0" cy="0"/>
-          <a:chOff x="0" y="0"/>
-          <a:chExt cx="0" cy="0"/>
-        </a:xfrm>
-      </p:grpSpPr>
-      <p:pic>
-        <p:nvPicPr>
-          <p:cNvPr id="2" name="Picture 1"/>
-          <p:cNvPicPr>
-            <a:picLocks noChangeAspect="1"/>
-          </p:cNvPicPr>
-          <p:nvPr/>
-        </p:nvPicPr>
-        <p:blipFill>
-          <a:blip r:embed="rId3"/>
-          <a:stretch>
-            <a:fillRect/>
-          </a:stretch>
-        </p:blipFill>
-        <p:spPr>
-          <a:xfrm>
-            <a:off x="0" y="1994297"/>
-            <a:ext cx="9144000" cy="1154906"/>
-          </a:xfrm>
-          <a:prstGeom prst="rect">
-            <a:avLst/>
-          </a:prstGeom>
-        </p:spPr>
-      </p:pic>
-    </p:spTree>
-    <p:extLst>
-      <p:ext uri="{BB962C8B-B14F-4D97-AF65-F5344CB8AC3E}">
-        <p14:creationId xmlns:p14="http://schemas.microsoft.com/office/powerpoint/2010/main" val="3998155393"/>
-      </p:ext>
-    </p:extLst>
-  </p:cSld>
-  <p:clrMapOvr>
-    <a:masterClrMapping/>
-  </p:clrMapOvr>
-  <p:timing>
-    <p:tnLst>
-      <p:par>
-        <p:cTn id="1" dur="indefinite" restart="never" nodeType="tmRoot"/>
-      </p:par>
-    </p:tnLst>
-  </p:timing>
-</p:sld>
-</file>
-
-<file path=ppt/slides/slide37.xml><?xml version="1.0" encoding="utf-8"?>
 <p:sld xmlns:a="http://schemas.openxmlformats.org/drawingml/2006/main" xmlns:r="http://schemas.openxmlformats.org/officeDocument/2006/relationships" xmlns:p="http://schemas.openxmlformats.org/presentationml/2006/main">
   <p:cSld>
     <p:spTree>
@@ -46463,21 +46373,25 @@
             <a:pPr lvl="1"/>
             <a:r>
               <a:rPr lang="en-US" dirty="0" smtClean="0"/>
-              <a:t>Keep agents in the service cloud console while doing their work</a:t>
+              <a:t>Clicks == Time</a:t>
             </a:r>
           </a:p>
           <a:p>
             <a:pPr lvl="1"/>
             <a:r>
               <a:rPr lang="en-US" dirty="0" smtClean="0"/>
-              <a:t>Leverage console APIs to gather information from different sources</a:t>
+              <a:t>Keep agents in the service cloud console while doing their work</a:t>
             </a:r>
           </a:p>
           <a:p>
             <a:pPr lvl="1"/>
             <a:r>
               <a:rPr lang="en-US" dirty="0" smtClean="0"/>
-              <a:t>Use the CTI API for telephony operations</a:t>
+              <a:t>Use </a:t>
+            </a:r>
+            <a:r>
+              <a:rPr lang="en-US" dirty="0" smtClean="0"/>
+              <a:t>the CTI API for telephony operations</a:t>
             </a:r>
           </a:p>
           <a:p>
@@ -46490,16 +46404,34 @@
           <a:p>
             <a:pPr lvl="1"/>
             <a:r>
-              <a:rPr lang="en-US" dirty="0" smtClean="0"/>
-              <a:t>Use the sidebar panels to display extra information about the records in view</a:t>
+              <a:rPr lang="en-US" dirty="0"/>
+              <a:t>Leverage console APIs to gather information from different sources</a:t>
             </a:r>
           </a:p>
           <a:p>
             <a:pPr lvl="1"/>
             <a:r>
               <a:rPr lang="en-US" dirty="0" smtClean="0"/>
-              <a:t>Use Console Components to access information that you want always available</a:t>
+              <a:t>Use Console </a:t>
             </a:r>
+            <a:r>
+              <a:rPr lang="en-US" dirty="0" smtClean="0"/>
+              <a:t>Components to access information that you want always </a:t>
+            </a:r>
+            <a:r>
+              <a:rPr lang="en-US" dirty="0" smtClean="0"/>
+              <a:t>available</a:t>
+            </a:r>
+          </a:p>
+          <a:p>
+            <a:pPr marL="0" lvl="1" indent="0">
+              <a:buNone/>
+            </a:pPr>
+            <a:r>
+              <a:rPr lang="en-US" dirty="0" smtClean="0"/>
+              <a:t>	</a:t>
+            </a:r>
+            <a:endParaRPr lang="en-US" dirty="0" smtClean="0"/>
           </a:p>
         </p:txBody>
       </p:sp>
@@ -46564,33 +46496,15 @@
                                   </p:childTnLst>
                                 </p:cTn>
                               </p:par>
-                            </p:childTnLst>
-                          </p:cTn>
-                        </p:par>
-                      </p:childTnLst>
-                    </p:cTn>
-                  </p:par>
-                  <p:par>
-                    <p:cTn id="7" fill="hold">
-                      <p:stCondLst>
-                        <p:cond delay="indefinite"/>
-                      </p:stCondLst>
-                      <p:childTnLst>
-                        <p:par>
-                          <p:cTn id="8" fill="hold">
-                            <p:stCondLst>
-                              <p:cond delay="0"/>
-                            </p:stCondLst>
-                            <p:childTnLst>
                               <p:par>
-                                <p:cTn id="9" presetID="1" presetClass="entr" presetSubtype="0" fill="hold" grpId="0" nodeType="clickEffect">
+                                <p:cTn id="7" presetID="1" presetClass="entr" presetSubtype="0" fill="hold" grpId="0" nodeType="withEffect">
                                   <p:stCondLst>
                                     <p:cond delay="0"/>
                                   </p:stCondLst>
                                   <p:childTnLst>
                                     <p:set>
                                       <p:cBhvr>
-                                        <p:cTn id="10" dur="1" fill="hold">
+                                        <p:cTn id="8" dur="1" fill="hold">
                                           <p:stCondLst>
                                             <p:cond delay="0"/>
                                           </p:stCondLst>
@@ -46620,26 +46534,26 @@
                     </p:cTn>
                   </p:par>
                   <p:par>
-                    <p:cTn id="11" fill="hold">
+                    <p:cTn id="9" fill="hold">
                       <p:stCondLst>
                         <p:cond delay="indefinite"/>
                       </p:stCondLst>
                       <p:childTnLst>
                         <p:par>
-                          <p:cTn id="12" fill="hold">
+                          <p:cTn id="10" fill="hold">
                             <p:stCondLst>
                               <p:cond delay="0"/>
                             </p:stCondLst>
                             <p:childTnLst>
                               <p:par>
-                                <p:cTn id="13" presetID="1" presetClass="entr" presetSubtype="0" fill="hold" grpId="0" nodeType="clickEffect">
+                                <p:cTn id="11" presetID="1" presetClass="entr" presetSubtype="0" fill="hold" grpId="0" nodeType="clickEffect">
                                   <p:stCondLst>
                                     <p:cond delay="0"/>
                                   </p:stCondLst>
                                   <p:childTnLst>
                                     <p:set>
                                       <p:cBhvr>
-                                        <p:cTn id="14" dur="1" fill="hold">
+                                        <p:cTn id="12" dur="1" fill="hold">
                                           <p:stCondLst>
                                             <p:cond delay="0"/>
                                           </p:stCondLst>
@@ -46669,19 +46583,50 @@
                     </p:cTn>
                   </p:par>
                   <p:par>
-                    <p:cTn id="15" fill="hold">
+                    <p:cTn id="13" fill="hold">
                       <p:stCondLst>
                         <p:cond delay="indefinite"/>
                       </p:stCondLst>
                       <p:childTnLst>
                         <p:par>
-                          <p:cTn id="16" fill="hold">
+                          <p:cTn id="14" fill="hold">
                             <p:stCondLst>
                               <p:cond delay="0"/>
                             </p:stCondLst>
                             <p:childTnLst>
                               <p:par>
-                                <p:cTn id="17" presetID="1" presetClass="entr" presetSubtype="0" fill="hold" grpId="0" nodeType="clickEffect">
+                                <p:cTn id="15" presetID="1" presetClass="entr" presetSubtype="0" fill="hold" grpId="0" nodeType="clickEffect">
+                                  <p:stCondLst>
+                                    <p:cond delay="0"/>
+                                  </p:stCondLst>
+                                  <p:childTnLst>
+                                    <p:set>
+                                      <p:cBhvr>
+                                        <p:cTn id="16" dur="1" fill="hold">
+                                          <p:stCondLst>
+                                            <p:cond delay="0"/>
+                                          </p:stCondLst>
+                                        </p:cTn>
+                                        <p:tgtEl>
+                                          <p:spTgt spid="3">
+                                            <p:txEl>
+                                              <p:pRg st="3" end="3"/>
+                                            </p:txEl>
+                                          </p:spTgt>
+                                        </p:tgtEl>
+                                        <p:attrNameLst>
+                                          <p:attrName>style.visibility</p:attrName>
+                                        </p:attrNameLst>
+                                      </p:cBhvr>
+                                      <p:to>
+                                        <p:strVal val="visible"/>
+                                      </p:to>
+                                    </p:set>
+                                  </p:childTnLst>
+                                </p:cTn>
+                              </p:par>
+                              <p:par>
+                                <p:cTn id="17" presetID="1" presetClass="entr" presetSubtype="0" fill="hold" grpId="0" nodeType="withEffect">
                                   <p:stCondLst>
                                     <p:cond delay="0"/>
                                   </p:stCondLst>
@@ -46696,7 +46641,7 @@
                                         <p:tgtEl>
                                           <p:spTgt spid="3">
                                             <p:txEl>
-                                              <p:pRg st="3" end="3"/>
+                                              <p:pRg st="4" end="4"/>
                                             </p:txEl>
                                           </p:spTgt>
                                         </p:tgtEl>
@@ -46745,7 +46690,7 @@
                                         <p:tgtEl>
                                           <p:spTgt spid="3">
                                             <p:txEl>
-                                              <p:pRg st="4" end="4"/>
+                                              <p:pRg st="5" end="5"/>
                                             </p:txEl>
                                           </p:spTgt>
                                         </p:tgtEl>
@@ -46794,7 +46739,7 @@
                                         <p:tgtEl>
                                           <p:spTgt spid="3">
                                             <p:txEl>
-                                              <p:pRg st="5" end="5"/>
+                                              <p:pRg st="6" end="6"/>
                                             </p:txEl>
                                           </p:spTgt>
                                         </p:tgtEl>
@@ -46843,7 +46788,7 @@
 </p:sld>
 </file>
 
-<file path=ppt/slides/slide38.xml><?xml version="1.0" encoding="utf-8"?>
+<file path=ppt/slides/slide36.xml><?xml version="1.0" encoding="utf-8"?>
 <p:sld xmlns:a="http://schemas.openxmlformats.org/drawingml/2006/main" xmlns:r="http://schemas.openxmlformats.org/officeDocument/2006/relationships" xmlns:p="http://schemas.openxmlformats.org/presentationml/2006/main">
   <p:cSld>
     <p:spTree>
@@ -46994,7 +46939,7 @@
 </p:sld>
 </file>
 
-<file path=ppt/slides/slide39.xml><?xml version="1.0" encoding="utf-8"?>
+<file path=ppt/slides/slide37.xml><?xml version="1.0" encoding="utf-8"?>
 <p:sld xmlns:a="http://schemas.openxmlformats.org/drawingml/2006/main" xmlns:r="http://schemas.openxmlformats.org/officeDocument/2006/relationships" xmlns:p="http://schemas.openxmlformats.org/presentationml/2006/main">
   <p:cSld>
     <p:spTree>
@@ -48186,11 +48131,11 @@
             </a:r>
             <a:r>
               <a:rPr lang="en-US" dirty="0"/>
-              <a:t>://na1.salesforce.com//</a:t>
+              <a:t>://</a:t>
             </a:r>
             <a:r>
               <a:rPr lang="en-US" dirty="0" smtClean="0"/>
-              <a:t>support/console/32.0/</a:t>
+              <a:t>na1.salesforce.com/support/console/32.0/</a:t>
             </a:r>
             <a:r>
               <a:rPr lang="en-US" dirty="0" err="1" smtClean="0"/>
